--- a/Security System.pptx
+++ b/Security System.pptx
@@ -804,7 +804,7 @@
           <a:p>
             <a:fld id="{48A87A34-81AB-432B-8DAE-1953F412C126}" type="datetimeFigureOut">
               <a:rPr lang="en-US" smtClean="0"/>
-              <a:t>1/21/2025</a:t>
+              <a:t>1/22/2025</a:t>
             </a:fld>
             <a:endParaRPr lang="en-US" dirty="0"/>
           </a:p>
@@ -1093,7 +1093,7 @@
           <a:p>
             <a:fld id="{48A87A34-81AB-432B-8DAE-1953F412C126}" type="datetimeFigureOut">
               <a:rPr lang="en-US" smtClean="0"/>
-              <a:t>1/21/2025</a:t>
+              <a:t>1/22/2025</a:t>
             </a:fld>
             <a:endParaRPr lang="en-US" dirty="0"/>
           </a:p>
@@ -1287,7 +1287,7 @@
           <a:p>
             <a:fld id="{48A87A34-81AB-432B-8DAE-1953F412C126}" type="datetimeFigureOut">
               <a:rPr lang="en-US" smtClean="0"/>
-              <a:t>1/21/2025</a:t>
+              <a:t>1/22/2025</a:t>
             </a:fld>
             <a:endParaRPr lang="en-US" dirty="0"/>
           </a:p>
@@ -1550,7 +1550,7 @@
           <a:p>
             <a:fld id="{48A87A34-81AB-432B-8DAE-1953F412C126}" type="datetimeFigureOut">
               <a:rPr lang="en-US" smtClean="0"/>
-              <a:t>1/21/2025</a:t>
+              <a:t>1/22/2025</a:t>
             </a:fld>
             <a:endParaRPr lang="en-US" dirty="0"/>
           </a:p>
@@ -1976,7 +1976,7 @@
           <a:p>
             <a:fld id="{48A87A34-81AB-432B-8DAE-1953F412C126}" type="datetimeFigureOut">
               <a:rPr lang="en-US" smtClean="0"/>
-              <a:t>1/21/2025</a:t>
+              <a:t>1/22/2025</a:t>
             </a:fld>
             <a:endParaRPr lang="en-US" dirty="0"/>
           </a:p>
@@ -2524,7 +2524,7 @@
           <a:p>
             <a:fld id="{48A87A34-81AB-432B-8DAE-1953F412C126}" type="datetimeFigureOut">
               <a:rPr lang="en-US" smtClean="0"/>
-              <a:t>1/21/2025</a:t>
+              <a:t>1/22/2025</a:t>
             </a:fld>
             <a:endParaRPr lang="en-US" dirty="0"/>
           </a:p>
@@ -3366,7 +3366,7 @@
           <a:p>
             <a:fld id="{48A87A34-81AB-432B-8DAE-1953F412C126}" type="datetimeFigureOut">
               <a:rPr lang="en-US" smtClean="0"/>
-              <a:t>1/21/2025</a:t>
+              <a:t>1/22/2025</a:t>
             </a:fld>
             <a:endParaRPr lang="en-US" dirty="0"/>
           </a:p>
@@ -3538,7 +3538,7 @@
           <a:p>
             <a:fld id="{48A87A34-81AB-432B-8DAE-1953F412C126}" type="datetimeFigureOut">
               <a:rPr lang="en-US" smtClean="0"/>
-              <a:t>1/21/2025</a:t>
+              <a:t>1/22/2025</a:t>
             </a:fld>
             <a:endParaRPr lang="en-US" dirty="0"/>
           </a:p>
@@ -3724,7 +3724,7 @@
           <a:p>
             <a:fld id="{48A87A34-81AB-432B-8DAE-1953F412C126}" type="datetimeFigureOut">
               <a:rPr lang="en-US" smtClean="0"/>
-              <a:t>1/21/2025</a:t>
+              <a:t>1/22/2025</a:t>
             </a:fld>
             <a:endParaRPr lang="en-US" dirty="0"/>
           </a:p>
@@ -3896,7 +3896,7 @@
           <a:p>
             <a:fld id="{48A87A34-81AB-432B-8DAE-1953F412C126}" type="datetimeFigureOut">
               <a:rPr lang="en-US" smtClean="0"/>
-              <a:t>1/21/2025</a:t>
+              <a:t>1/22/2025</a:t>
             </a:fld>
             <a:endParaRPr lang="en-US" dirty="0"/>
           </a:p>
@@ -4146,7 +4146,7 @@
           <a:p>
             <a:fld id="{48A87A34-81AB-432B-8DAE-1953F412C126}" type="datetimeFigureOut">
               <a:rPr lang="en-US" smtClean="0"/>
-              <a:t>1/21/2025</a:t>
+              <a:t>1/22/2025</a:t>
             </a:fld>
             <a:endParaRPr lang="en-US" dirty="0"/>
           </a:p>
@@ -4385,7 +4385,7 @@
           <a:p>
             <a:fld id="{48A87A34-81AB-432B-8DAE-1953F412C126}" type="datetimeFigureOut">
               <a:rPr lang="en-US" smtClean="0"/>
-              <a:t>1/21/2025</a:t>
+              <a:t>1/22/2025</a:t>
             </a:fld>
             <a:endParaRPr lang="en-US" dirty="0"/>
           </a:p>
@@ -4760,7 +4760,7 @@
           <a:p>
             <a:fld id="{48A87A34-81AB-432B-8DAE-1953F412C126}" type="datetimeFigureOut">
               <a:rPr lang="en-US" smtClean="0"/>
-              <a:t>1/21/2025</a:t>
+              <a:t>1/22/2025</a:t>
             </a:fld>
             <a:endParaRPr lang="en-US" dirty="0"/>
           </a:p>
@@ -4880,7 +4880,7 @@
           <a:p>
             <a:fld id="{48A87A34-81AB-432B-8DAE-1953F412C126}" type="datetimeFigureOut">
               <a:rPr lang="en-US" smtClean="0"/>
-              <a:t>1/21/2025</a:t>
+              <a:t>1/22/2025</a:t>
             </a:fld>
             <a:endParaRPr lang="en-US" dirty="0"/>
           </a:p>
@@ -4977,7 +4977,7 @@
           <a:p>
             <a:fld id="{48A87A34-81AB-432B-8DAE-1953F412C126}" type="datetimeFigureOut">
               <a:rPr lang="en-US" smtClean="0"/>
-              <a:t>1/21/2025</a:t>
+              <a:t>1/22/2025</a:t>
             </a:fld>
             <a:endParaRPr lang="en-US" dirty="0"/>
           </a:p>
@@ -5229,7 +5229,7 @@
           <a:p>
             <a:fld id="{48A87A34-81AB-432B-8DAE-1953F412C126}" type="datetimeFigureOut">
               <a:rPr lang="en-US" smtClean="0"/>
-              <a:t>1/21/2025</a:t>
+              <a:t>1/22/2025</a:t>
             </a:fld>
             <a:endParaRPr lang="en-US" dirty="0"/>
           </a:p>
@@ -5518,7 +5518,7 @@
           <a:p>
             <a:fld id="{48A87A34-81AB-432B-8DAE-1953F412C126}" type="datetimeFigureOut">
               <a:rPr lang="en-US" smtClean="0"/>
-              <a:t>1/21/2025</a:t>
+              <a:t>1/22/2025</a:t>
             </a:fld>
             <a:endParaRPr lang="en-US" dirty="0"/>
           </a:p>
@@ -5734,7 +5734,7 @@
             <a:fld id="{48A87A34-81AB-432B-8DAE-1953F412C126}" type="datetimeFigureOut">
               <a:rPr lang="en-US" smtClean="0"/>
               <a:pPr/>
-              <a:t>1/21/2025</a:t>
+              <a:t>1/22/2025</a:t>
             </a:fld>
             <a:endParaRPr lang="en-US" dirty="0"/>
           </a:p>
@@ -7515,6 +7515,66 @@
           </a:p>
         </p:txBody>
       </p:sp>
+      <p:pic>
+        <p:nvPicPr>
+          <p:cNvPr id="6" name="Picture 5">
+            <a:extLst>
+              <a:ext uri="{FF2B5EF4-FFF2-40B4-BE49-F238E27FC236}">
+                <a16:creationId xmlns:a16="http://schemas.microsoft.com/office/drawing/2014/main" id="{21443409-EEA0-A4E9-C254-4292993E8C58}"/>
+              </a:ext>
+            </a:extLst>
+          </p:cNvPr>
+          <p:cNvPicPr>
+            <a:picLocks noChangeAspect="1"/>
+          </p:cNvPicPr>
+          <p:nvPr/>
+        </p:nvPicPr>
+        <p:blipFill>
+          <a:blip r:embed="rId6"/>
+          <a:stretch>
+            <a:fillRect/>
+          </a:stretch>
+        </p:blipFill>
+        <p:spPr>
+          <a:xfrm>
+            <a:off x="2882457" y="35738488"/>
+            <a:ext cx="8090344" cy="5762727"/>
+          </a:xfrm>
+          <a:prstGeom prst="rect">
+            <a:avLst/>
+          </a:prstGeom>
+        </p:spPr>
+      </p:pic>
+      <p:pic>
+        <p:nvPicPr>
+          <p:cNvPr id="12" name="Picture 11">
+            <a:extLst>
+              <a:ext uri="{FF2B5EF4-FFF2-40B4-BE49-F238E27FC236}">
+                <a16:creationId xmlns:a16="http://schemas.microsoft.com/office/drawing/2014/main" id="{51163CE9-9EB0-1502-A8CA-EB2346274DA2}"/>
+              </a:ext>
+            </a:extLst>
+          </p:cNvPr>
+          <p:cNvPicPr>
+            <a:picLocks noChangeAspect="1"/>
+          </p:cNvPicPr>
+          <p:nvPr/>
+        </p:nvPicPr>
+        <p:blipFill>
+          <a:blip r:embed="rId7"/>
+          <a:stretch>
+            <a:fillRect/>
+          </a:stretch>
+        </p:blipFill>
+        <p:spPr>
+          <a:xfrm>
+            <a:off x="18166080" y="9920779"/>
+            <a:ext cx="8656320" cy="6394572"/>
+          </a:xfrm>
+          <a:prstGeom prst="rect">
+            <a:avLst/>
+          </a:prstGeom>
+        </p:spPr>
+      </p:pic>
     </p:spTree>
   </p:cSld>
   <p:clrMapOvr>

--- a/Security System.pptx
+++ b/Security System.pptx
@@ -659,7 +659,7 @@
               </a:spcAft>
               <a:buNone/>
             </a:pPr>
-            <a:endParaRPr/>
+            <a:endParaRPr dirty="0"/>
           </a:p>
         </p:txBody>
       </p:sp>
@@ -1002,10 +1002,9 @@
           </a:lstStyle>
           <a:p>
             <a:r>
-              <a:rPr lang="en-US"/>
+              <a:rPr lang="en-US" dirty="0"/>
               <a:t>Click icon to add picture</a:t>
             </a:r>
-            <a:endParaRPr lang="en-US" dirty="0"/>
           </a:p>
         </p:txBody>
       </p:sp>
@@ -2797,10 +2796,9 @@
           </a:lstStyle>
           <a:p>
             <a:r>
-              <a:rPr lang="en-US"/>
+              <a:rPr lang="en-US" dirty="0"/>
               <a:t>Click icon to add picture</a:t>
             </a:r>
-            <a:endParaRPr lang="en-US" dirty="0"/>
           </a:p>
         </p:txBody>
       </p:sp>
@@ -3036,10 +3034,9 @@
           </a:lstStyle>
           <a:p>
             <a:r>
-              <a:rPr lang="en-US"/>
+              <a:rPr lang="en-US" dirty="0"/>
               <a:t>Click icon to add picture</a:t>
             </a:r>
-            <a:endParaRPr lang="en-US" dirty="0"/>
           </a:p>
         </p:txBody>
       </p:sp>
@@ -3275,10 +3272,9 @@
           </a:lstStyle>
           <a:p>
             <a:r>
-              <a:rPr lang="en-US"/>
+              <a:rPr lang="en-US" dirty="0"/>
               <a:t>Click icon to add picture</a:t>
             </a:r>
-            <a:endParaRPr lang="en-US" dirty="0"/>
           </a:p>
         </p:txBody>
       </p:sp>
@@ -5427,10 +5423,9 @@
           </a:lstStyle>
           <a:p>
             <a:r>
-              <a:rPr lang="en-US"/>
+              <a:rPr lang="en-US" dirty="0"/>
               <a:t>Click icon to add picture</a:t>
             </a:r>
-            <a:endParaRPr lang="en-US" dirty="0"/>
           </a:p>
         </p:txBody>
       </p:sp>
@@ -6257,29 +6252,13 @@
           <a:p>
             <a:r>
               <a:rPr lang="en-US" sz="2800" dirty="0"/>
-              <a:t>Jarl </a:t>
-            </a:r>
-            <a:r>
-              <a:rPr lang="en-US" sz="2800" dirty="0" err="1"/>
-              <a:t>Pallesen</a:t>
-            </a:r>
+              <a:t>Jarl Pallesen - s183424                Thomas Niebuhr - s136513 </a:t>
+            </a:r>
+          </a:p>
+          <a:p>
             <a:r>
               <a:rPr lang="en-US" sz="2800" dirty="0"/>
-              <a:t> - s183424                Thomas Niebuhr - s136513 </a:t>
-            </a:r>
-          </a:p>
-          <a:p>
-            <a:r>
-              <a:rPr lang="en-US" sz="2800" dirty="0"/>
-              <a:t>Federico Morace - s241797       Anna-Beatrice </a:t>
-            </a:r>
-            <a:r>
-              <a:rPr lang="en-US" sz="2800" dirty="0" err="1"/>
-              <a:t>Berciu</a:t>
-            </a:r>
-            <a:r>
-              <a:rPr lang="en-US" sz="2800" dirty="0"/>
-              <a:t> - s232417</a:t>
+              <a:t>Federico Morace - s241797       Anna-Beatrice Berciu - s232417</a:t>
             </a:r>
           </a:p>
           <a:p>
@@ -6331,7 +6310,7 @@
               <a:rPr lang="da"/>
               <a:t>Security System</a:t>
             </a:r>
-            <a:endParaRPr/>
+            <a:endParaRPr dirty="0"/>
           </a:p>
         </p:txBody>
       </p:sp>
@@ -6423,7 +6402,7 @@
               </a:rPr>
               <a:t>System overview</a:t>
             </a:r>
-            <a:endParaRPr sz="296647">
+            <a:endParaRPr sz="296647" dirty="0">
               <a:solidFill>
                 <a:schemeClr val="dk2"/>
               </a:solidFill>
@@ -6464,35 +6443,35 @@
               </a:rPr>
               <a:t>The system consist of a few different parts. On one arduino there is an RFID sensor, that can scan a keyfob and a Ultrasonic sensor sitting on top of a servo motor, that will scan if somebody is nearby.  Depending on this a radio signal will be sent to an ESP8266. </a:t>
             </a:r>
-            <a:endParaRPr sz="131292">
+            <a:endParaRPr sz="131292" dirty="0">
               <a:solidFill>
                 <a:schemeClr val="dk2"/>
               </a:solidFill>
             </a:endParaRPr>
           </a:p>
           <a:p>
-            <a:endParaRPr sz="131292">
+            <a:endParaRPr sz="131292" dirty="0">
               <a:solidFill>
                 <a:schemeClr val="dk2"/>
               </a:solidFill>
             </a:endParaRPr>
           </a:p>
           <a:p>
-            <a:endParaRPr sz="131292">
+            <a:endParaRPr sz="131292" dirty="0">
               <a:solidFill>
                 <a:schemeClr val="dk2"/>
               </a:solidFill>
             </a:endParaRPr>
           </a:p>
           <a:p>
-            <a:endParaRPr sz="131292">
+            <a:endParaRPr sz="131292" dirty="0">
               <a:solidFill>
                 <a:schemeClr val="dk2"/>
               </a:solidFill>
             </a:endParaRPr>
           </a:p>
           <a:p>
-            <a:endParaRPr sz="131292">
+            <a:endParaRPr sz="131292" dirty="0">
               <a:solidFill>
                 <a:schemeClr val="dk2"/>
               </a:solidFill>
@@ -6533,7 +6512,7 @@
               </a:rPr>
               <a:t>The ESP will control the lock depending on the signal received and get measurements from a tilt switch that can be on a handle and the light sensor that will sense if any light is on. The ESP can send this to thingspeak.</a:t>
             </a:r>
-            <a:endParaRPr sz="131292">
+            <a:endParaRPr sz="131292" dirty="0">
               <a:solidFill>
                 <a:schemeClr val="dk2"/>
               </a:solidFill>
@@ -6574,7 +6553,7 @@
               </a:rPr>
               <a:t>The ESP will control the lock depending on the signal received and get measurements from a tilt switch that can be on a handle and the light sensor that will sense if any light is on. The ESP can send this to thingspeak.</a:t>
             </a:r>
-            <a:endParaRPr sz="131292">
+            <a:endParaRPr sz="131292" dirty="0">
               <a:solidFill>
                 <a:schemeClr val="dk2"/>
               </a:solidFill>
@@ -7272,21 +7251,7 @@
                 <a:latin typeface="Arial" panose="020B0604020202020204" pitchFamily="34" charset="0"/>
                 <a:cs typeface="Arial" panose="020B0604020202020204" pitchFamily="34" charset="0"/>
               </a:rPr>
-              <a:t>The system consists of 3 parts communicating with radio and </a:t>
-            </a:r>
-            <a:r>
-              <a:rPr lang="en-US" sz="3600" dirty="0" err="1">
-                <a:latin typeface="Arial" panose="020B0604020202020204" pitchFamily="34" charset="0"/>
-                <a:cs typeface="Arial" panose="020B0604020202020204" pitchFamily="34" charset="0"/>
-              </a:rPr>
-              <a:t>wifi</a:t>
-            </a:r>
-            <a:r>
-              <a:rPr lang="en-US" sz="3600" dirty="0">
-                <a:latin typeface="Arial" panose="020B0604020202020204" pitchFamily="34" charset="0"/>
-                <a:cs typeface="Arial" panose="020B0604020202020204" pitchFamily="34" charset="0"/>
-              </a:rPr>
-              <a:t>. </a:t>
+              <a:t>The system consists of 3 parts communicating with radio and Wi-Fi. </a:t>
             </a:r>
           </a:p>
         </p:txBody>
@@ -7408,49 +7373,7 @@
                 <a:latin typeface="Arial" panose="020B0604020202020204" pitchFamily="34" charset="0"/>
                 <a:cs typeface="Arial" panose="020B0604020202020204" pitchFamily="34" charset="0"/>
               </a:rPr>
-              <a:t>Thingspeak is used to communicate from the </a:t>
-            </a:r>
-            <a:r>
-              <a:rPr lang="en-US" sz="3600" dirty="0" err="1">
-                <a:latin typeface="Arial" panose="020B0604020202020204" pitchFamily="34" charset="0"/>
-                <a:cs typeface="Arial" panose="020B0604020202020204" pitchFamily="34" charset="0"/>
-              </a:rPr>
-              <a:t>esp</a:t>
-            </a:r>
-            <a:r>
-              <a:rPr lang="en-US" sz="3600" dirty="0">
-                <a:latin typeface="Arial" panose="020B0604020202020204" pitchFamily="34" charset="0"/>
-                <a:cs typeface="Arial" panose="020B0604020202020204" pitchFamily="34" charset="0"/>
-              </a:rPr>
-              <a:t> to the alarm over </a:t>
-            </a:r>
-            <a:r>
-              <a:rPr lang="en-US" sz="3600" dirty="0" err="1">
-                <a:latin typeface="Arial" panose="020B0604020202020204" pitchFamily="34" charset="0"/>
-                <a:cs typeface="Arial" panose="020B0604020202020204" pitchFamily="34" charset="0"/>
-              </a:rPr>
-              <a:t>wifi</a:t>
-            </a:r>
-            <a:r>
-              <a:rPr lang="en-US" sz="3600" dirty="0">
-                <a:latin typeface="Arial" panose="020B0604020202020204" pitchFamily="34" charset="0"/>
-                <a:cs typeface="Arial" panose="020B0604020202020204" pitchFamily="34" charset="0"/>
-              </a:rPr>
-              <a:t>. It sends a signal from the </a:t>
-            </a:r>
-            <a:r>
-              <a:rPr lang="en-US" sz="3600" dirty="0" err="1">
-                <a:latin typeface="Arial" panose="020B0604020202020204" pitchFamily="34" charset="0"/>
-                <a:cs typeface="Arial" panose="020B0604020202020204" pitchFamily="34" charset="0"/>
-              </a:rPr>
-              <a:t>esp</a:t>
-            </a:r>
-            <a:r>
-              <a:rPr lang="en-US" sz="3600" dirty="0">
-                <a:latin typeface="Arial" panose="020B0604020202020204" pitchFamily="34" charset="0"/>
-                <a:cs typeface="Arial" panose="020B0604020202020204" pitchFamily="34" charset="0"/>
-              </a:rPr>
-              <a:t> indicating that the alarm should go. It also sends if door is locked and threat so it can be viewed on thingspeak.</a:t>
+              <a:t>Thingspeak is used to communicate from the ESP to the alarm over Wi-Fi. It sends a signal from the ESP indicating that the alarm should go. It also sends if door is locked and threat so it can be viewed on thingspeak.</a:t>
             </a:r>
             <a:endParaRPr lang="da-DK" sz="3600" dirty="0">
               <a:latin typeface="Arial" panose="020B0604020202020204" pitchFamily="34" charset="0"/>
@@ -7492,21 +7415,7 @@
                 <a:latin typeface="Arial" panose="020B0604020202020204" pitchFamily="34" charset="0"/>
                 <a:cs typeface="Arial" panose="020B0604020202020204" pitchFamily="34" charset="0"/>
               </a:rPr>
-              <a:t>A security system has been made, that can effectively detect an intruder and use a key fob to turn on and off the system. The system uses </a:t>
-            </a:r>
-            <a:r>
-              <a:rPr lang="en-US" sz="3600" dirty="0" err="1">
-                <a:latin typeface="Arial" panose="020B0604020202020204" pitchFamily="34" charset="0"/>
-                <a:cs typeface="Arial" panose="020B0604020202020204" pitchFamily="34" charset="0"/>
-              </a:rPr>
-              <a:t>wifi</a:t>
-            </a:r>
-            <a:r>
-              <a:rPr lang="en-US" sz="3600" dirty="0">
-                <a:latin typeface="Arial" panose="020B0604020202020204" pitchFamily="34" charset="0"/>
-                <a:cs typeface="Arial" panose="020B0604020202020204" pitchFamily="34" charset="0"/>
-              </a:rPr>
-              <a:t> communication and radio communication to effectively move data around.</a:t>
+              <a:t>A security system has been made, that can effectively detect an intruder and use a key fob to turn on and off the system. The system uses Wi-Fi communication and radio communication to effectively move data around.</a:t>
             </a:r>
             <a:endParaRPr lang="da-DK" sz="3600" dirty="0">
               <a:latin typeface="Arial" panose="020B0604020202020204" pitchFamily="34" charset="0"/>
